--- a/main_c-block_diagram.pptx
+++ b/main_c-block_diagram.pptx
@@ -104,6 +104,11 @@
       </a:defRPr>
     </a:lvl9pPr>
   </p:defaultTextStyle>
+  <p:extLst>
+    <p:ext uri="{EFAFB233-063F-42B5-8137-9DF3F51BA10A}">
+      <p15:sldGuideLst xmlns:p15="http://schemas.microsoft.com/office/powerpoint/2012/main"/>
+    </p:ext>
+  </p:extLst>
 </p:presentation>
 </file>
 
@@ -111,13 +116,13 @@
 <pc:chgInfo xmlns:a="http://schemas.openxmlformats.org/drawingml/2006/main" xmlns:r="http://schemas.openxmlformats.org/officeDocument/2006/relationships" xmlns:ac="http://schemas.microsoft.com/office/drawing/2013/main/command" xmlns:pc="http://schemas.microsoft.com/office/powerpoint/2013/main/command">
   <pc:docChgLst>
     <pc:chgData name="Dave Castonguay" userId="b5b2aee48e1f3771" providerId="LiveId" clId="{AE9A0CBF-4467-41D2-8827-0CAB35C2E761}"/>
-    <pc:docChg chg="modSld">
-      <pc:chgData name="Dave Castonguay" userId="b5b2aee48e1f3771" providerId="LiveId" clId="{AE9A0CBF-4467-41D2-8827-0CAB35C2E761}" dt="2019-03-25T16:04:00.203" v="34" actId="2711"/>
+    <pc:docChg chg="undo modSld">
+      <pc:chgData name="Dave Castonguay" userId="b5b2aee48e1f3771" providerId="LiveId" clId="{AE9A0CBF-4467-41D2-8827-0CAB35C2E761}" dt="2019-04-03T17:39:12.534" v="37" actId="14100"/>
       <pc:docMkLst>
         <pc:docMk/>
       </pc:docMkLst>
       <pc:sldChg chg="addSp modSp">
-        <pc:chgData name="Dave Castonguay" userId="b5b2aee48e1f3771" providerId="LiveId" clId="{AE9A0CBF-4467-41D2-8827-0CAB35C2E761}" dt="2019-03-25T16:04:00.203" v="34" actId="2711"/>
+        <pc:chgData name="Dave Castonguay" userId="b5b2aee48e1f3771" providerId="LiveId" clId="{AE9A0CBF-4467-41D2-8827-0CAB35C2E761}" dt="2019-04-03T17:39:12.534" v="37" actId="14100"/>
         <pc:sldMkLst>
           <pc:docMk/>
           <pc:sldMk cId="3318706757" sldId="256"/>
@@ -131,7 +136,7 @@
           </ac:spMkLst>
         </pc:spChg>
         <pc:cxnChg chg="add mod">
-          <ac:chgData name="Dave Castonguay" userId="b5b2aee48e1f3771" providerId="LiveId" clId="{AE9A0CBF-4467-41D2-8827-0CAB35C2E761}" dt="2019-03-25T16:03:28.334" v="3" actId="14100"/>
+          <ac:chgData name="Dave Castonguay" userId="b5b2aee48e1f3771" providerId="LiveId" clId="{AE9A0CBF-4467-41D2-8827-0CAB35C2E761}" dt="2019-04-03T17:39:12.534" v="37" actId="14100"/>
           <ac:cxnSpMkLst>
             <pc:docMk/>
             <pc:sldMk cId="3318706757" sldId="256"/>
@@ -293,7 +298,7 @@
           <a:p>
             <a:fld id="{BFAD9C75-DC83-46B2-BF57-382D6AC7B18D}" type="datetimeFigureOut">
               <a:rPr lang="en-CA" smtClean="0"/>
-              <a:t>2019-03-25</a:t>
+              <a:t>2019-04-03</a:t>
             </a:fld>
             <a:endParaRPr lang="en-CA"/>
           </a:p>
@@ -493,7 +498,7 @@
           <a:p>
             <a:fld id="{BFAD9C75-DC83-46B2-BF57-382D6AC7B18D}" type="datetimeFigureOut">
               <a:rPr lang="en-CA" smtClean="0"/>
-              <a:t>2019-03-25</a:t>
+              <a:t>2019-04-03</a:t>
             </a:fld>
             <a:endParaRPr lang="en-CA"/>
           </a:p>
@@ -703,7 +708,7 @@
           <a:p>
             <a:fld id="{BFAD9C75-DC83-46B2-BF57-382D6AC7B18D}" type="datetimeFigureOut">
               <a:rPr lang="en-CA" smtClean="0"/>
-              <a:t>2019-03-25</a:t>
+              <a:t>2019-04-03</a:t>
             </a:fld>
             <a:endParaRPr lang="en-CA"/>
           </a:p>
@@ -903,7 +908,7 @@
           <a:p>
             <a:fld id="{BFAD9C75-DC83-46B2-BF57-382D6AC7B18D}" type="datetimeFigureOut">
               <a:rPr lang="en-CA" smtClean="0"/>
-              <a:t>2019-03-25</a:t>
+              <a:t>2019-04-03</a:t>
             </a:fld>
             <a:endParaRPr lang="en-CA"/>
           </a:p>
@@ -1179,7 +1184,7 @@
           <a:p>
             <a:fld id="{BFAD9C75-DC83-46B2-BF57-382D6AC7B18D}" type="datetimeFigureOut">
               <a:rPr lang="en-CA" smtClean="0"/>
-              <a:t>2019-03-25</a:t>
+              <a:t>2019-04-03</a:t>
             </a:fld>
             <a:endParaRPr lang="en-CA"/>
           </a:p>
@@ -1447,7 +1452,7 @@
           <a:p>
             <a:fld id="{BFAD9C75-DC83-46B2-BF57-382D6AC7B18D}" type="datetimeFigureOut">
               <a:rPr lang="en-CA" smtClean="0"/>
-              <a:t>2019-03-25</a:t>
+              <a:t>2019-04-03</a:t>
             </a:fld>
             <a:endParaRPr lang="en-CA"/>
           </a:p>
@@ -1862,7 +1867,7 @@
           <a:p>
             <a:fld id="{BFAD9C75-DC83-46B2-BF57-382D6AC7B18D}" type="datetimeFigureOut">
               <a:rPr lang="en-CA" smtClean="0"/>
-              <a:t>2019-03-25</a:t>
+              <a:t>2019-04-03</a:t>
             </a:fld>
             <a:endParaRPr lang="en-CA"/>
           </a:p>
@@ -2004,7 +2009,7 @@
           <a:p>
             <a:fld id="{BFAD9C75-DC83-46B2-BF57-382D6AC7B18D}" type="datetimeFigureOut">
               <a:rPr lang="en-CA" smtClean="0"/>
-              <a:t>2019-03-25</a:t>
+              <a:t>2019-04-03</a:t>
             </a:fld>
             <a:endParaRPr lang="en-CA"/>
           </a:p>
@@ -2117,7 +2122,7 @@
           <a:p>
             <a:fld id="{BFAD9C75-DC83-46B2-BF57-382D6AC7B18D}" type="datetimeFigureOut">
               <a:rPr lang="en-CA" smtClean="0"/>
-              <a:t>2019-03-25</a:t>
+              <a:t>2019-04-03</a:t>
             </a:fld>
             <a:endParaRPr lang="en-CA"/>
           </a:p>
@@ -2430,7 +2435,7 @@
           <a:p>
             <a:fld id="{BFAD9C75-DC83-46B2-BF57-382D6AC7B18D}" type="datetimeFigureOut">
               <a:rPr lang="en-CA" smtClean="0"/>
-              <a:t>2019-03-25</a:t>
+              <a:t>2019-04-03</a:t>
             </a:fld>
             <a:endParaRPr lang="en-CA"/>
           </a:p>
@@ -2719,7 +2724,7 @@
           <a:p>
             <a:fld id="{BFAD9C75-DC83-46B2-BF57-382D6AC7B18D}" type="datetimeFigureOut">
               <a:rPr lang="en-CA" smtClean="0"/>
-              <a:t>2019-03-25</a:t>
+              <a:t>2019-04-03</a:t>
             </a:fld>
             <a:endParaRPr lang="en-CA"/>
           </a:p>
@@ -2962,7 +2967,7 @@
           <a:p>
             <a:fld id="{BFAD9C75-DC83-46B2-BF57-382D6AC7B18D}" type="datetimeFigureOut">
               <a:rPr lang="en-CA" smtClean="0"/>
-              <a:t>2019-03-25</a:t>
+              <a:t>2019-04-03</a:t>
             </a:fld>
             <a:endParaRPr lang="en-CA"/>
           </a:p>
@@ -4162,9 +4167,9 @@
           <p:nvPr/>
         </p:nvCxnSpPr>
         <p:spPr>
-          <a:xfrm flipH="1" flipV="1">
-            <a:off x="7817370" y="2709470"/>
-            <a:ext cx="1926242" cy="1"/>
+          <a:xfrm flipH="1">
+            <a:off x="6992911" y="2709471"/>
+            <a:ext cx="2750701" cy="0"/>
           </a:xfrm>
           <a:prstGeom prst="straightConnector1">
             <a:avLst/>

--- a/main_c-block_diagram.pptx
+++ b/main_c-block_diagram.pptx
@@ -116,31 +116,215 @@
 <pc:chgInfo xmlns:a="http://schemas.openxmlformats.org/drawingml/2006/main" xmlns:r="http://schemas.openxmlformats.org/officeDocument/2006/relationships" xmlns:ac="http://schemas.microsoft.com/office/drawing/2013/main/command" xmlns:pc="http://schemas.microsoft.com/office/powerpoint/2013/main/command">
   <pc:docChgLst>
     <pc:chgData name="Dave Castonguay" userId="b5b2aee48e1f3771" providerId="LiveId" clId="{AE9A0CBF-4467-41D2-8827-0CAB35C2E761}"/>
-    <pc:docChg chg="undo modSld">
-      <pc:chgData name="Dave Castonguay" userId="b5b2aee48e1f3771" providerId="LiveId" clId="{AE9A0CBF-4467-41D2-8827-0CAB35C2E761}" dt="2019-04-03T17:39:12.534" v="37" actId="14100"/>
+    <pc:docChg chg="undo custSel modSld">
+      <pc:chgData name="Dave Castonguay" userId="b5b2aee48e1f3771" providerId="LiveId" clId="{AE9A0CBF-4467-41D2-8827-0CAB35C2E761}" dt="2019-04-03T22:57:50.739" v="616" actId="14100"/>
       <pc:docMkLst>
         <pc:docMk/>
       </pc:docMkLst>
-      <pc:sldChg chg="addSp modSp">
-        <pc:chgData name="Dave Castonguay" userId="b5b2aee48e1f3771" providerId="LiveId" clId="{AE9A0CBF-4467-41D2-8827-0CAB35C2E761}" dt="2019-04-03T17:39:12.534" v="37" actId="14100"/>
+      <pc:sldChg chg="addSp delSp modSp">
+        <pc:chgData name="Dave Castonguay" userId="b5b2aee48e1f3771" providerId="LiveId" clId="{AE9A0CBF-4467-41D2-8827-0CAB35C2E761}" dt="2019-04-03T22:57:50.739" v="616" actId="14100"/>
         <pc:sldMkLst>
           <pc:docMk/>
           <pc:sldMk cId="3318706757" sldId="256"/>
         </pc:sldMkLst>
         <pc:spChg chg="add mod">
-          <ac:chgData name="Dave Castonguay" userId="b5b2aee48e1f3771" providerId="LiveId" clId="{AE9A0CBF-4467-41D2-8827-0CAB35C2E761}" dt="2019-03-25T16:04:00.203" v="34" actId="2711"/>
+          <ac:chgData name="Dave Castonguay" userId="b5b2aee48e1f3771" providerId="LiveId" clId="{AE9A0CBF-4467-41D2-8827-0CAB35C2E761}" dt="2019-04-03T21:46:38.597" v="151" actId="1076"/>
+          <ac:spMkLst>
+            <pc:docMk/>
+            <pc:sldMk cId="3318706757" sldId="256"/>
+            <ac:spMk id="19" creationId="{8620F34B-92E0-409A-8708-3F004A7183B3}"/>
+          </ac:spMkLst>
+        </pc:spChg>
+        <pc:spChg chg="add mod">
+          <ac:chgData name="Dave Castonguay" userId="b5b2aee48e1f3771" providerId="LiveId" clId="{AE9A0CBF-4467-41D2-8827-0CAB35C2E761}" dt="2019-04-03T21:56:41.208" v="419" actId="20577"/>
+          <ac:spMkLst>
+            <pc:docMk/>
+            <pc:sldMk cId="3318706757" sldId="256"/>
+            <ac:spMk id="25" creationId="{C7AC90D6-84D3-4C68-BDF4-958F5018C612}"/>
+          </ac:spMkLst>
+        </pc:spChg>
+        <pc:spChg chg="add del mod">
+          <ac:chgData name="Dave Castonguay" userId="b5b2aee48e1f3771" providerId="LiveId" clId="{AE9A0CBF-4467-41D2-8827-0CAB35C2E761}" dt="2019-04-03T21:46:45.087" v="153" actId="478"/>
+          <ac:spMkLst>
+            <pc:docMk/>
+            <pc:sldMk cId="3318706757" sldId="256"/>
+            <ac:spMk id="30" creationId="{15F82377-64D1-47AA-A438-B0AEB3F0C375}"/>
+          </ac:spMkLst>
+        </pc:spChg>
+        <pc:spChg chg="add del mod">
+          <ac:chgData name="Dave Castonguay" userId="b5b2aee48e1f3771" providerId="LiveId" clId="{AE9A0CBF-4467-41D2-8827-0CAB35C2E761}" dt="2019-04-03T21:47:37.167" v="162" actId="478"/>
+          <ac:spMkLst>
+            <pc:docMk/>
+            <pc:sldMk cId="3318706757" sldId="256"/>
+            <ac:spMk id="36" creationId="{FECEF31A-C8C1-4FB0-BF4A-206F04B83A2F}"/>
+          </ac:spMkLst>
+        </pc:spChg>
+        <pc:spChg chg="add mod">
+          <ac:chgData name="Dave Castonguay" userId="b5b2aee48e1f3771" providerId="LiveId" clId="{AE9A0CBF-4467-41D2-8827-0CAB35C2E761}" dt="2019-04-03T21:49:37.705" v="278" actId="14100"/>
+          <ac:spMkLst>
+            <pc:docMk/>
+            <pc:sldMk cId="3318706757" sldId="256"/>
+            <ac:spMk id="39" creationId="{D634AFBB-3202-491A-8DFF-FD50AA71936E}"/>
+          </ac:spMkLst>
+        </pc:spChg>
+        <pc:spChg chg="add mod">
+          <ac:chgData name="Dave Castonguay" userId="b5b2aee48e1f3771" providerId="LiveId" clId="{AE9A0CBF-4467-41D2-8827-0CAB35C2E761}" dt="2019-04-03T21:41:33.355" v="68" actId="20577"/>
           <ac:spMkLst>
             <pc:docMk/>
             <pc:sldMk cId="3318706757" sldId="256"/>
             <ac:spMk id="42" creationId="{A731B334-7688-40CE-BA02-24E24CA2C3A8}"/>
           </ac:spMkLst>
         </pc:spChg>
+        <pc:spChg chg="add mod">
+          <ac:chgData name="Dave Castonguay" userId="b5b2aee48e1f3771" providerId="LiveId" clId="{AE9A0CBF-4467-41D2-8827-0CAB35C2E761}" dt="2019-04-03T21:51:07.414" v="329" actId="20577"/>
+          <ac:spMkLst>
+            <pc:docMk/>
+            <pc:sldMk cId="3318706757" sldId="256"/>
+            <ac:spMk id="48" creationId="{78E81C4F-B812-4A23-BD30-4735C600CA83}"/>
+          </ac:spMkLst>
+        </pc:spChg>
+        <pc:spChg chg="add del mod">
+          <ac:chgData name="Dave Castonguay" userId="b5b2aee48e1f3771" providerId="LiveId" clId="{AE9A0CBF-4467-41D2-8827-0CAB35C2E761}" dt="2019-04-03T21:55:27.137" v="352" actId="478"/>
+          <ac:spMkLst>
+            <pc:docMk/>
+            <pc:sldMk cId="3318706757" sldId="256"/>
+            <ac:spMk id="53" creationId="{500E6A29-4765-48F9-9559-595119D91AE2}"/>
+          </ac:spMkLst>
+        </pc:spChg>
+        <pc:spChg chg="add mod">
+          <ac:chgData name="Dave Castonguay" userId="b5b2aee48e1f3771" providerId="LiveId" clId="{AE9A0CBF-4467-41D2-8827-0CAB35C2E761}" dt="2019-04-03T21:59:48.401" v="538" actId="14100"/>
+          <ac:spMkLst>
+            <pc:docMk/>
+            <pc:sldMk cId="3318706757" sldId="256"/>
+            <ac:spMk id="55" creationId="{3C027EF2-4580-466B-8776-E44252C28E60}"/>
+          </ac:spMkLst>
+        </pc:spChg>
+        <pc:spChg chg="add del mod">
+          <ac:chgData name="Dave Castonguay" userId="b5b2aee48e1f3771" providerId="LiveId" clId="{AE9A0CBF-4467-41D2-8827-0CAB35C2E761}" dt="2019-04-03T21:57:18.223" v="421" actId="478"/>
+          <ac:spMkLst>
+            <pc:docMk/>
+            <pc:sldMk cId="3318706757" sldId="256"/>
+            <ac:spMk id="61" creationId="{F90313F2-F845-4C15-A063-C0EE9C6772F1}"/>
+          </ac:spMkLst>
+        </pc:spChg>
+        <pc:spChg chg="add mod">
+          <ac:chgData name="Dave Castonguay" userId="b5b2aee48e1f3771" providerId="LiveId" clId="{AE9A0CBF-4467-41D2-8827-0CAB35C2E761}" dt="2019-04-03T22:00:01.850" v="543" actId="14100"/>
+          <ac:spMkLst>
+            <pc:docMk/>
+            <pc:sldMk cId="3318706757" sldId="256"/>
+            <ac:spMk id="64" creationId="{FB3942CC-BFA9-48F7-98AE-DA99D8D3C253}"/>
+          </ac:spMkLst>
+        </pc:spChg>
+        <pc:spChg chg="add mod">
+          <ac:chgData name="Dave Castonguay" userId="b5b2aee48e1f3771" providerId="LiveId" clId="{AE9A0CBF-4467-41D2-8827-0CAB35C2E761}" dt="2019-04-03T22:01:28.114" v="570" actId="20577"/>
+          <ac:spMkLst>
+            <pc:docMk/>
+            <pc:sldMk cId="3318706757" sldId="256"/>
+            <ac:spMk id="67" creationId="{9955D01E-0F6F-4DBB-B714-B4BA5D8FE010}"/>
+          </ac:spMkLst>
+        </pc:spChg>
+        <pc:spChg chg="add mod">
+          <ac:chgData name="Dave Castonguay" userId="b5b2aee48e1f3771" providerId="LiveId" clId="{AE9A0CBF-4467-41D2-8827-0CAB35C2E761}" dt="2019-04-03T22:06:17.478" v="606" actId="20577"/>
+          <ac:spMkLst>
+            <pc:docMk/>
+            <pc:sldMk cId="3318706757" sldId="256"/>
+            <ac:spMk id="81" creationId="{D1A42676-6C84-4F47-9AA5-01A1F87E9ADE}"/>
+          </ac:spMkLst>
+        </pc:spChg>
+        <pc:cxnChg chg="add del mod">
+          <ac:chgData name="Dave Castonguay" userId="b5b2aee48e1f3771" providerId="LiveId" clId="{AE9A0CBF-4467-41D2-8827-0CAB35C2E761}" dt="2019-04-03T21:46:45.087" v="153" actId="478"/>
+          <ac:cxnSpMkLst>
+            <pc:docMk/>
+            <pc:sldMk cId="3318706757" sldId="256"/>
+            <ac:cxnSpMk id="27" creationId="{5F47601E-F079-4EB1-AD1A-895FA81D80BA}"/>
+          </ac:cxnSpMkLst>
+        </pc:cxnChg>
         <pc:cxnChg chg="add mod">
-          <ac:chgData name="Dave Castonguay" userId="b5b2aee48e1f3771" providerId="LiveId" clId="{AE9A0CBF-4467-41D2-8827-0CAB35C2E761}" dt="2019-04-03T17:39:12.534" v="37" actId="14100"/>
+          <ac:chgData name="Dave Castonguay" userId="b5b2aee48e1f3771" providerId="LiveId" clId="{AE9A0CBF-4467-41D2-8827-0CAB35C2E761}" dt="2019-04-03T21:47:15.358" v="160" actId="14100"/>
+          <ac:cxnSpMkLst>
+            <pc:docMk/>
+            <pc:sldMk cId="3318706757" sldId="256"/>
+            <ac:cxnSpMk id="31" creationId="{F0C6AB00-63C9-424F-9674-4E2676961646}"/>
+          </ac:cxnSpMkLst>
+        </pc:cxnChg>
+        <pc:cxnChg chg="add mod">
+          <ac:chgData name="Dave Castonguay" userId="b5b2aee48e1f3771" providerId="LiveId" clId="{AE9A0CBF-4467-41D2-8827-0CAB35C2E761}" dt="2019-04-03T21:46:38.597" v="151" actId="1076"/>
           <ac:cxnSpMkLst>
             <pc:docMk/>
             <pc:sldMk cId="3318706757" sldId="256"/>
             <ac:cxnSpMk id="38" creationId="{B4313399-DD08-49DC-823C-4E67A1062370}"/>
+          </ac:cxnSpMkLst>
+        </pc:cxnChg>
+        <pc:cxnChg chg="add del mod">
+          <ac:chgData name="Dave Castonguay" userId="b5b2aee48e1f3771" providerId="LiveId" clId="{AE9A0CBF-4467-41D2-8827-0CAB35C2E761}" dt="2019-04-03T21:49:46.909" v="283" actId="478"/>
+          <ac:cxnSpMkLst>
+            <pc:docMk/>
+            <pc:sldMk cId="3318706757" sldId="256"/>
+            <ac:cxnSpMk id="40" creationId="{DB037D2D-D9AE-4E0C-9342-451E97629B3E}"/>
+          </ac:cxnSpMkLst>
+        </pc:cxnChg>
+        <pc:cxnChg chg="add mod">
+          <ac:chgData name="Dave Castonguay" userId="b5b2aee48e1f3771" providerId="LiveId" clId="{AE9A0CBF-4467-41D2-8827-0CAB35C2E761}" dt="2019-04-03T21:50:17.157" v="290" actId="1582"/>
+          <ac:cxnSpMkLst>
+            <pc:docMk/>
+            <pc:sldMk cId="3318706757" sldId="256"/>
+            <ac:cxnSpMk id="43" creationId="{01C866F1-2B42-499C-8374-E3BF1618FAB7}"/>
+          </ac:cxnSpMkLst>
+        </pc:cxnChg>
+        <pc:cxnChg chg="add mod">
+          <ac:chgData name="Dave Castonguay" userId="b5b2aee48e1f3771" providerId="LiveId" clId="{AE9A0CBF-4467-41D2-8827-0CAB35C2E761}" dt="2019-04-03T21:50:53.153" v="294" actId="14100"/>
+          <ac:cxnSpMkLst>
+            <pc:docMk/>
+            <pc:sldMk cId="3318706757" sldId="256"/>
+            <ac:cxnSpMk id="49" creationId="{61AD281E-B3EE-4529-8004-79EE7F85DC2A}"/>
+          </ac:cxnSpMkLst>
+        </pc:cxnChg>
+        <pc:cxnChg chg="add mod">
+          <ac:chgData name="Dave Castonguay" userId="b5b2aee48e1f3771" providerId="LiveId" clId="{AE9A0CBF-4467-41D2-8827-0CAB35C2E761}" dt="2019-04-03T21:59:48.401" v="538" actId="14100"/>
+          <ac:cxnSpMkLst>
+            <pc:docMk/>
+            <pc:sldMk cId="3318706757" sldId="256"/>
+            <ac:cxnSpMk id="56" creationId="{F5A6A453-ECE3-4975-A6CA-24AE4DCC2F8F}"/>
+          </ac:cxnSpMkLst>
+        </pc:cxnChg>
+        <pc:cxnChg chg="add mod">
+          <ac:chgData name="Dave Castonguay" userId="b5b2aee48e1f3771" providerId="LiveId" clId="{AE9A0CBF-4467-41D2-8827-0CAB35C2E761}" dt="2019-04-03T22:02:59.063" v="572" actId="14100"/>
+          <ac:cxnSpMkLst>
+            <pc:docMk/>
+            <pc:sldMk cId="3318706757" sldId="256"/>
+            <ac:cxnSpMk id="70" creationId="{0424E4EA-E4A0-4B44-B2EF-12909BDC54A6}"/>
+          </ac:cxnSpMkLst>
+        </pc:cxnChg>
+        <pc:cxnChg chg="add mod">
+          <ac:chgData name="Dave Castonguay" userId="b5b2aee48e1f3771" providerId="LiveId" clId="{AE9A0CBF-4467-41D2-8827-0CAB35C2E761}" dt="2019-04-03T22:03:04.787" v="575" actId="14100"/>
+          <ac:cxnSpMkLst>
+            <pc:docMk/>
+            <pc:sldMk cId="3318706757" sldId="256"/>
+            <ac:cxnSpMk id="76" creationId="{5D77DA9C-9C99-4BEE-ACF9-86E88A5591CA}"/>
+          </ac:cxnSpMkLst>
+        </pc:cxnChg>
+        <pc:cxnChg chg="add mod">
+          <ac:chgData name="Dave Castonguay" userId="b5b2aee48e1f3771" providerId="LiveId" clId="{AE9A0CBF-4467-41D2-8827-0CAB35C2E761}" dt="2019-04-03T22:57:01.534" v="609" actId="14100"/>
+          <ac:cxnSpMkLst>
+            <pc:docMk/>
+            <pc:sldMk cId="3318706757" sldId="256"/>
+            <ac:cxnSpMk id="82" creationId="{5D725960-A663-4D7D-9802-6000653F0378}"/>
+          </ac:cxnSpMkLst>
+        </pc:cxnChg>
+        <pc:cxnChg chg="add del mod">
+          <ac:chgData name="Dave Castonguay" userId="b5b2aee48e1f3771" providerId="LiveId" clId="{AE9A0CBF-4467-41D2-8827-0CAB35C2E761}" dt="2019-04-03T22:57:38.857" v="612" actId="478"/>
+          <ac:cxnSpMkLst>
+            <pc:docMk/>
+            <pc:sldMk cId="3318706757" sldId="256"/>
+            <ac:cxnSpMk id="85" creationId="{C521FB29-907A-48DF-AC6F-76535C509861}"/>
+          </ac:cxnSpMkLst>
+        </pc:cxnChg>
+        <pc:cxnChg chg="add mod">
+          <ac:chgData name="Dave Castonguay" userId="b5b2aee48e1f3771" providerId="LiveId" clId="{AE9A0CBF-4467-41D2-8827-0CAB35C2E761}" dt="2019-04-03T22:57:50.739" v="616" actId="14100"/>
+          <ac:cxnSpMkLst>
+            <pc:docMk/>
+            <pc:sldMk cId="3318706757" sldId="256"/>
+            <ac:cxnSpMk id="87" creationId="{A9B7744B-5CA3-4E53-9E14-5CB375151CE5}"/>
           </ac:cxnSpMkLst>
         </pc:cxnChg>
       </pc:sldChg>
@@ -4163,13 +4347,14 @@
           <p:cNvCxnSpPr>
             <a:cxnSpLocks/>
             <a:stCxn id="34" idx="1"/>
+            <a:endCxn id="19" idx="3"/>
           </p:cNvCxnSpPr>
           <p:nvPr/>
         </p:nvCxnSpPr>
         <p:spPr>
           <a:xfrm flipH="1">
-            <a:off x="6992911" y="2709471"/>
-            <a:ext cx="2750701" cy="0"/>
+            <a:off x="7102532" y="2709471"/>
+            <a:ext cx="2641080" cy="0"/>
           </a:xfrm>
           <a:prstGeom prst="straightConnector1">
             <a:avLst/>
@@ -4210,8 +4395,8 @@
         </p:nvSpPr>
         <p:spPr>
           <a:xfrm>
-            <a:off x="8124668" y="2340138"/>
-            <a:ext cx="1521501" cy="369332"/>
+            <a:off x="7255245" y="2312033"/>
+            <a:ext cx="2675743" cy="369332"/>
           </a:xfrm>
           <a:prstGeom prst="rect">
             <a:avLst/>
@@ -4228,11 +4413,897 @@
               <a:rPr lang="en-GB" dirty="0">
                 <a:latin typeface="Bahnschrift" panose="020B0502040204020203" pitchFamily="34" charset="0"/>
               </a:rPr>
-              <a:t>ENTER LOOP</a:t>
-            </a:r>
-          </a:p>
-        </p:txBody>
-      </p:sp>
+              <a:t>ENTER INFINITE LOOP</a:t>
+            </a:r>
+          </a:p>
+        </p:txBody>
+      </p:sp>
+      <p:sp>
+        <p:nvSpPr>
+          <p:cNvPr id="19" name="Rectangle 18">
+            <a:extLst>
+              <a:ext uri="{FF2B5EF4-FFF2-40B4-BE49-F238E27FC236}">
+                <a16:creationId xmlns:a16="http://schemas.microsoft.com/office/drawing/2014/main" id="{8620F34B-92E0-409A-8708-3F004A7183B3}"/>
+              </a:ext>
+            </a:extLst>
+          </p:cNvPr>
+          <p:cNvSpPr/>
+          <p:nvPr/>
+        </p:nvSpPr>
+        <p:spPr>
+          <a:xfrm>
+            <a:off x="5685961" y="2166077"/>
+            <a:ext cx="1416571" cy="1086788"/>
+          </a:xfrm>
+          <a:prstGeom prst="rect">
+            <a:avLst/>
+          </a:prstGeom>
+          <a:solidFill>
+            <a:schemeClr val="bg1">
+              <a:lumMod val="50000"/>
+            </a:schemeClr>
+          </a:solidFill>
+          <a:ln>
+            <a:noFill/>
+          </a:ln>
+        </p:spPr>
+        <p:style>
+          <a:lnRef idx="2">
+            <a:schemeClr val="accent1">
+              <a:shade val="50000"/>
+            </a:schemeClr>
+          </a:lnRef>
+          <a:fillRef idx="1">
+            <a:schemeClr val="accent1"/>
+          </a:fillRef>
+          <a:effectRef idx="0">
+            <a:schemeClr val="accent1"/>
+          </a:effectRef>
+          <a:fontRef idx="minor">
+            <a:schemeClr val="lt1"/>
+          </a:fontRef>
+        </p:style>
+        <p:txBody>
+          <a:bodyPr rtlCol="0" anchor="ctr"/>
+          <a:lstStyle/>
+          <a:p>
+            <a:pPr algn="ctr"/>
+            <a:r>
+              <a:rPr lang="en-GB" dirty="0">
+                <a:latin typeface="Bahnschrift" panose="020B0502040204020203" pitchFamily="34" charset="0"/>
+              </a:rPr>
+              <a:t>Update clock every 50ms</a:t>
+            </a:r>
+            <a:endParaRPr lang="en-CA" dirty="0">
+              <a:latin typeface="Bahnschrift" panose="020B0502040204020203" pitchFamily="34" charset="0"/>
+            </a:endParaRPr>
+          </a:p>
+        </p:txBody>
+      </p:sp>
+      <p:sp>
+        <p:nvSpPr>
+          <p:cNvPr id="25" name="Rectangle 24">
+            <a:extLst>
+              <a:ext uri="{FF2B5EF4-FFF2-40B4-BE49-F238E27FC236}">
+                <a16:creationId xmlns:a16="http://schemas.microsoft.com/office/drawing/2014/main" id="{C7AC90D6-84D3-4C68-BDF4-958F5018C612}"/>
+              </a:ext>
+            </a:extLst>
+          </p:cNvPr>
+          <p:cNvSpPr/>
+          <p:nvPr/>
+        </p:nvSpPr>
+        <p:spPr>
+          <a:xfrm>
+            <a:off x="2091129" y="1811935"/>
+            <a:ext cx="3112340" cy="1795072"/>
+          </a:xfrm>
+          <a:prstGeom prst="rect">
+            <a:avLst/>
+          </a:prstGeom>
+          <a:solidFill>
+            <a:srgbClr val="C00000"/>
+          </a:solidFill>
+          <a:ln>
+            <a:noFill/>
+          </a:ln>
+        </p:spPr>
+        <p:style>
+          <a:lnRef idx="2">
+            <a:schemeClr val="accent1">
+              <a:shade val="50000"/>
+            </a:schemeClr>
+          </a:lnRef>
+          <a:fillRef idx="1">
+            <a:schemeClr val="accent1"/>
+          </a:fillRef>
+          <a:effectRef idx="0">
+            <a:schemeClr val="accent1"/>
+          </a:effectRef>
+          <a:fontRef idx="minor">
+            <a:schemeClr val="lt1"/>
+          </a:fontRef>
+        </p:style>
+        <p:txBody>
+          <a:bodyPr rtlCol="0" anchor="ctr"/>
+          <a:lstStyle/>
+          <a:p>
+            <a:pPr algn="ctr"/>
+            <a:r>
+              <a:rPr lang="en-GB" dirty="0">
+                <a:latin typeface="Bahnschrift" panose="020B0502040204020203" pitchFamily="34" charset="0"/>
+              </a:rPr>
+              <a:t>CHECK FOR TIMED EVENT (e.g. errors, interrupts)</a:t>
+            </a:r>
+            <a:endParaRPr lang="en-CA" dirty="0">
+              <a:latin typeface="Bahnschrift" panose="020B0502040204020203" pitchFamily="34" charset="0"/>
+            </a:endParaRPr>
+          </a:p>
+        </p:txBody>
+      </p:sp>
+      <p:cxnSp>
+        <p:nvCxnSpPr>
+          <p:cNvPr id="31" name="Straight Arrow Connector 30">
+            <a:extLst>
+              <a:ext uri="{FF2B5EF4-FFF2-40B4-BE49-F238E27FC236}">
+                <a16:creationId xmlns:a16="http://schemas.microsoft.com/office/drawing/2014/main" id="{F0C6AB00-63C9-424F-9674-4E2676961646}"/>
+              </a:ext>
+            </a:extLst>
+          </p:cNvPr>
+          <p:cNvCxnSpPr>
+            <a:cxnSpLocks/>
+            <a:stCxn id="19" idx="1"/>
+            <a:endCxn id="25" idx="3"/>
+          </p:cNvCxnSpPr>
+          <p:nvPr/>
+        </p:nvCxnSpPr>
+        <p:spPr>
+          <a:xfrm flipH="1">
+            <a:off x="5203469" y="2709471"/>
+            <a:ext cx="482492" cy="0"/>
+          </a:xfrm>
+          <a:prstGeom prst="straightConnector1">
+            <a:avLst/>
+          </a:prstGeom>
+          <a:ln w="38100">
+            <a:solidFill>
+              <a:schemeClr val="tx1"/>
+            </a:solidFill>
+            <a:tailEnd type="triangle"/>
+          </a:ln>
+        </p:spPr>
+        <p:style>
+          <a:lnRef idx="1">
+            <a:schemeClr val="accent1"/>
+          </a:lnRef>
+          <a:fillRef idx="0">
+            <a:schemeClr val="accent1"/>
+          </a:fillRef>
+          <a:effectRef idx="0">
+            <a:schemeClr val="accent1"/>
+          </a:effectRef>
+          <a:fontRef idx="minor">
+            <a:schemeClr val="tx1"/>
+          </a:fontRef>
+        </p:style>
+      </p:cxnSp>
+      <p:sp>
+        <p:nvSpPr>
+          <p:cNvPr id="39" name="Rectangle 38">
+            <a:extLst>
+              <a:ext uri="{FF2B5EF4-FFF2-40B4-BE49-F238E27FC236}">
+                <a16:creationId xmlns:a16="http://schemas.microsoft.com/office/drawing/2014/main" id="{D634AFBB-3202-491A-8DFF-FD50AA71936E}"/>
+              </a:ext>
+            </a:extLst>
+          </p:cNvPr>
+          <p:cNvSpPr/>
+          <p:nvPr/>
+        </p:nvSpPr>
+        <p:spPr>
+          <a:xfrm>
+            <a:off x="487181" y="3889946"/>
+            <a:ext cx="2218544" cy="1701386"/>
+          </a:xfrm>
+          <a:prstGeom prst="rect">
+            <a:avLst/>
+          </a:prstGeom>
+          <a:solidFill>
+            <a:schemeClr val="accent1">
+              <a:lumMod val="50000"/>
+            </a:schemeClr>
+          </a:solidFill>
+          <a:ln>
+            <a:noFill/>
+          </a:ln>
+        </p:spPr>
+        <p:style>
+          <a:lnRef idx="2">
+            <a:schemeClr val="accent1">
+              <a:shade val="50000"/>
+            </a:schemeClr>
+          </a:lnRef>
+          <a:fillRef idx="1">
+            <a:schemeClr val="accent1"/>
+          </a:fillRef>
+          <a:effectRef idx="0">
+            <a:schemeClr val="accent1"/>
+          </a:effectRef>
+          <a:fontRef idx="minor">
+            <a:schemeClr val="lt1"/>
+          </a:fontRef>
+        </p:style>
+        <p:txBody>
+          <a:bodyPr rtlCol="0" anchor="ctr"/>
+          <a:lstStyle/>
+          <a:p>
+            <a:pPr algn="ctr"/>
+            <a:r>
+              <a:rPr lang="en-GB" dirty="0">
+                <a:latin typeface="Bahnschrift" panose="020B0502040204020203" pitchFamily="34" charset="0"/>
+              </a:rPr>
+              <a:t>MPPT UPDATE:</a:t>
+            </a:r>
+          </a:p>
+          <a:p>
+            <a:pPr algn="ctr"/>
+            <a:r>
+              <a:rPr lang="en-CA" sz="1100" dirty="0">
+                <a:latin typeface="Bahnschrift" panose="020B0502040204020203" pitchFamily="34" charset="0"/>
+              </a:rPr>
+              <a:t>All four solar panels (update the state and then apply the new modified state)</a:t>
+            </a:r>
+          </a:p>
+        </p:txBody>
+      </p:sp>
+      <p:cxnSp>
+        <p:nvCxnSpPr>
+          <p:cNvPr id="43" name="Connector: Elbow 42">
+            <a:extLst>
+              <a:ext uri="{FF2B5EF4-FFF2-40B4-BE49-F238E27FC236}">
+                <a16:creationId xmlns:a16="http://schemas.microsoft.com/office/drawing/2014/main" id="{01C866F1-2B42-499C-8374-E3BF1618FAB7}"/>
+              </a:ext>
+            </a:extLst>
+          </p:cNvPr>
+          <p:cNvCxnSpPr>
+            <a:cxnSpLocks/>
+            <a:stCxn id="25" idx="1"/>
+            <a:endCxn id="39" idx="0"/>
+          </p:cNvCxnSpPr>
+          <p:nvPr/>
+        </p:nvCxnSpPr>
+        <p:spPr>
+          <a:xfrm rot="10800000" flipV="1">
+            <a:off x="1596453" y="2709470"/>
+            <a:ext cx="494676" cy="1180475"/>
+          </a:xfrm>
+          <a:prstGeom prst="bentConnector2">
+            <a:avLst/>
+          </a:prstGeom>
+          <a:ln w="38100">
+            <a:solidFill>
+              <a:schemeClr val="tx1"/>
+            </a:solidFill>
+            <a:tailEnd type="triangle"/>
+          </a:ln>
+        </p:spPr>
+        <p:style>
+          <a:lnRef idx="1">
+            <a:schemeClr val="accent1"/>
+          </a:lnRef>
+          <a:fillRef idx="0">
+            <a:schemeClr val="accent1"/>
+          </a:fillRef>
+          <a:effectRef idx="0">
+            <a:schemeClr val="accent1"/>
+          </a:effectRef>
+          <a:fontRef idx="minor">
+            <a:schemeClr val="tx1"/>
+          </a:fontRef>
+        </p:style>
+      </p:cxnSp>
+      <p:sp>
+        <p:nvSpPr>
+          <p:cNvPr id="48" name="Rectangle 47">
+            <a:extLst>
+              <a:ext uri="{FF2B5EF4-FFF2-40B4-BE49-F238E27FC236}">
+                <a16:creationId xmlns:a16="http://schemas.microsoft.com/office/drawing/2014/main" id="{78E81C4F-B812-4A23-BD30-4735C600CA83}"/>
+              </a:ext>
+            </a:extLst>
+          </p:cNvPr>
+          <p:cNvSpPr/>
+          <p:nvPr/>
+        </p:nvSpPr>
+        <p:spPr>
+          <a:xfrm>
+            <a:off x="3099216" y="4429593"/>
+            <a:ext cx="1416571" cy="622092"/>
+          </a:xfrm>
+          <a:prstGeom prst="rect">
+            <a:avLst/>
+          </a:prstGeom>
+          <a:solidFill>
+            <a:schemeClr val="bg1">
+              <a:lumMod val="50000"/>
+            </a:schemeClr>
+          </a:solidFill>
+          <a:ln>
+            <a:noFill/>
+          </a:ln>
+        </p:spPr>
+        <p:style>
+          <a:lnRef idx="2">
+            <a:schemeClr val="accent1">
+              <a:shade val="50000"/>
+            </a:schemeClr>
+          </a:lnRef>
+          <a:fillRef idx="1">
+            <a:schemeClr val="accent1"/>
+          </a:fillRef>
+          <a:effectRef idx="0">
+            <a:schemeClr val="accent1"/>
+          </a:effectRef>
+          <a:fontRef idx="minor">
+            <a:schemeClr val="lt1"/>
+          </a:fontRef>
+        </p:style>
+        <p:txBody>
+          <a:bodyPr rtlCol="0" anchor="ctr"/>
+          <a:lstStyle/>
+          <a:p>
+            <a:pPr algn="ctr"/>
+            <a:r>
+              <a:rPr lang="en-GB" dirty="0">
+                <a:latin typeface="Bahnschrift" panose="020B0502040204020203" pitchFamily="34" charset="0"/>
+              </a:rPr>
+              <a:t>Reset error flag to 0</a:t>
+            </a:r>
+            <a:endParaRPr lang="en-CA" dirty="0">
+              <a:latin typeface="Bahnschrift" panose="020B0502040204020203" pitchFamily="34" charset="0"/>
+            </a:endParaRPr>
+          </a:p>
+        </p:txBody>
+      </p:sp>
+      <p:cxnSp>
+        <p:nvCxnSpPr>
+          <p:cNvPr id="49" name="Straight Arrow Connector 48">
+            <a:extLst>
+              <a:ext uri="{FF2B5EF4-FFF2-40B4-BE49-F238E27FC236}">
+                <a16:creationId xmlns:a16="http://schemas.microsoft.com/office/drawing/2014/main" id="{61AD281E-B3EE-4529-8004-79EE7F85DC2A}"/>
+              </a:ext>
+            </a:extLst>
+          </p:cNvPr>
+          <p:cNvCxnSpPr>
+            <a:cxnSpLocks/>
+            <a:stCxn id="39" idx="3"/>
+            <a:endCxn id="48" idx="1"/>
+          </p:cNvCxnSpPr>
+          <p:nvPr/>
+        </p:nvCxnSpPr>
+        <p:spPr>
+          <a:xfrm>
+            <a:off x="2705725" y="4740639"/>
+            <a:ext cx="393491" cy="0"/>
+          </a:xfrm>
+          <a:prstGeom prst="straightConnector1">
+            <a:avLst/>
+          </a:prstGeom>
+          <a:ln w="38100">
+            <a:solidFill>
+              <a:schemeClr val="tx1"/>
+            </a:solidFill>
+            <a:tailEnd type="triangle"/>
+          </a:ln>
+        </p:spPr>
+        <p:style>
+          <a:lnRef idx="1">
+            <a:schemeClr val="accent1"/>
+          </a:lnRef>
+          <a:fillRef idx="0">
+            <a:schemeClr val="accent1"/>
+          </a:fillRef>
+          <a:effectRef idx="0">
+            <a:schemeClr val="accent1"/>
+          </a:effectRef>
+          <a:fontRef idx="minor">
+            <a:schemeClr val="tx1"/>
+          </a:fontRef>
+        </p:style>
+      </p:cxnSp>
+      <p:sp>
+        <p:nvSpPr>
+          <p:cNvPr id="55" name="Rectangle 54">
+            <a:extLst>
+              <a:ext uri="{FF2B5EF4-FFF2-40B4-BE49-F238E27FC236}">
+                <a16:creationId xmlns:a16="http://schemas.microsoft.com/office/drawing/2014/main" id="{3C027EF2-4580-466B-8776-E44252C28E60}"/>
+              </a:ext>
+            </a:extLst>
+          </p:cNvPr>
+          <p:cNvSpPr/>
+          <p:nvPr/>
+        </p:nvSpPr>
+        <p:spPr>
+          <a:xfrm>
+            <a:off x="4909278" y="4429593"/>
+            <a:ext cx="2555824" cy="622088"/>
+          </a:xfrm>
+          <a:prstGeom prst="rect">
+            <a:avLst/>
+          </a:prstGeom>
+          <a:solidFill>
+            <a:schemeClr val="bg1">
+              <a:lumMod val="50000"/>
+            </a:schemeClr>
+          </a:solidFill>
+          <a:ln>
+            <a:noFill/>
+          </a:ln>
+        </p:spPr>
+        <p:style>
+          <a:lnRef idx="2">
+            <a:schemeClr val="accent1">
+              <a:shade val="50000"/>
+            </a:schemeClr>
+          </a:lnRef>
+          <a:fillRef idx="1">
+            <a:schemeClr val="accent1"/>
+          </a:fillRef>
+          <a:effectRef idx="0">
+            <a:schemeClr val="accent1"/>
+          </a:effectRef>
+          <a:fontRef idx="minor">
+            <a:schemeClr val="lt1"/>
+          </a:fontRef>
+        </p:style>
+        <p:txBody>
+          <a:bodyPr rtlCol="0" anchor="ctr"/>
+          <a:lstStyle/>
+          <a:p>
+            <a:pPr algn="ctr"/>
+            <a:r>
+              <a:rPr lang="en-GB" dirty="0">
+                <a:latin typeface="Bahnschrift" panose="020B0502040204020203" pitchFamily="34" charset="0"/>
+              </a:rPr>
+              <a:t>Check EPS board state and safety issues</a:t>
+            </a:r>
+            <a:endParaRPr lang="en-CA" dirty="0">
+              <a:latin typeface="Bahnschrift" panose="020B0502040204020203" pitchFamily="34" charset="0"/>
+            </a:endParaRPr>
+          </a:p>
+        </p:txBody>
+      </p:sp>
+      <p:cxnSp>
+        <p:nvCxnSpPr>
+          <p:cNvPr id="56" name="Straight Arrow Connector 55">
+            <a:extLst>
+              <a:ext uri="{FF2B5EF4-FFF2-40B4-BE49-F238E27FC236}">
+                <a16:creationId xmlns:a16="http://schemas.microsoft.com/office/drawing/2014/main" id="{F5A6A453-ECE3-4975-A6CA-24AE4DCC2F8F}"/>
+              </a:ext>
+            </a:extLst>
+          </p:cNvPr>
+          <p:cNvCxnSpPr>
+            <a:cxnSpLocks/>
+            <a:stCxn id="48" idx="3"/>
+            <a:endCxn id="55" idx="1"/>
+          </p:cNvCxnSpPr>
+          <p:nvPr/>
+        </p:nvCxnSpPr>
+        <p:spPr>
+          <a:xfrm flipV="1">
+            <a:off x="4515787" y="4740637"/>
+            <a:ext cx="393491" cy="2"/>
+          </a:xfrm>
+          <a:prstGeom prst="straightConnector1">
+            <a:avLst/>
+          </a:prstGeom>
+          <a:ln w="38100">
+            <a:solidFill>
+              <a:schemeClr val="tx1"/>
+            </a:solidFill>
+            <a:tailEnd type="triangle"/>
+          </a:ln>
+        </p:spPr>
+        <p:style>
+          <a:lnRef idx="1">
+            <a:schemeClr val="accent1"/>
+          </a:lnRef>
+          <a:fillRef idx="0">
+            <a:schemeClr val="accent1"/>
+          </a:fillRef>
+          <a:effectRef idx="0">
+            <a:schemeClr val="accent1"/>
+          </a:effectRef>
+          <a:fontRef idx="minor">
+            <a:schemeClr val="tx1"/>
+          </a:fontRef>
+        </p:style>
+      </p:cxnSp>
+      <p:sp>
+        <p:nvSpPr>
+          <p:cNvPr id="64" name="Rectangle 63">
+            <a:extLst>
+              <a:ext uri="{FF2B5EF4-FFF2-40B4-BE49-F238E27FC236}">
+                <a16:creationId xmlns:a16="http://schemas.microsoft.com/office/drawing/2014/main" id="{FB3942CC-BFA9-48F7-98AE-DA99D8D3C253}"/>
+              </a:ext>
+            </a:extLst>
+          </p:cNvPr>
+          <p:cNvSpPr/>
+          <p:nvPr/>
+        </p:nvSpPr>
+        <p:spPr>
+          <a:xfrm>
+            <a:off x="7694953" y="3889946"/>
+            <a:ext cx="1791322" cy="1701384"/>
+          </a:xfrm>
+          <a:prstGeom prst="rect">
+            <a:avLst/>
+          </a:prstGeom>
+          <a:solidFill>
+            <a:schemeClr val="accent1">
+              <a:lumMod val="50000"/>
+            </a:schemeClr>
+          </a:solidFill>
+          <a:ln>
+            <a:noFill/>
+          </a:ln>
+        </p:spPr>
+        <p:style>
+          <a:lnRef idx="2">
+            <a:schemeClr val="accent1">
+              <a:shade val="50000"/>
+            </a:schemeClr>
+          </a:lnRef>
+          <a:fillRef idx="1">
+            <a:schemeClr val="accent1"/>
+          </a:fillRef>
+          <a:effectRef idx="0">
+            <a:schemeClr val="accent1"/>
+          </a:effectRef>
+          <a:fontRef idx="minor">
+            <a:schemeClr val="lt1"/>
+          </a:fontRef>
+        </p:style>
+        <p:txBody>
+          <a:bodyPr rtlCol="0" anchor="ctr"/>
+          <a:lstStyle/>
+          <a:p>
+            <a:pPr algn="ctr"/>
+            <a:r>
+              <a:rPr lang="en-GB" dirty="0">
+                <a:latin typeface="Bahnschrift" panose="020B0502040204020203" pitchFamily="34" charset="0"/>
+              </a:rPr>
+              <a:t>RESET EVENTS</a:t>
+            </a:r>
+          </a:p>
+          <a:p>
+            <a:pPr algn="ctr"/>
+            <a:r>
+              <a:rPr lang="en-GB" sz="1100" dirty="0">
+                <a:latin typeface="Bahnschrift" panose="020B0502040204020203" pitchFamily="34" charset="0"/>
+              </a:rPr>
+              <a:t>(Reset watchdog)</a:t>
+            </a:r>
+            <a:endParaRPr lang="en-CA" sz="1100" dirty="0">
+              <a:latin typeface="Bahnschrift" panose="020B0502040204020203" pitchFamily="34" charset="0"/>
+            </a:endParaRPr>
+          </a:p>
+        </p:txBody>
+      </p:sp>
+      <p:sp>
+        <p:nvSpPr>
+          <p:cNvPr id="67" name="Rectangle 66">
+            <a:extLst>
+              <a:ext uri="{FF2B5EF4-FFF2-40B4-BE49-F238E27FC236}">
+                <a16:creationId xmlns:a16="http://schemas.microsoft.com/office/drawing/2014/main" id="{9955D01E-0F6F-4DBB-B714-B4BA5D8FE010}"/>
+              </a:ext>
+            </a:extLst>
+          </p:cNvPr>
+          <p:cNvSpPr/>
+          <p:nvPr/>
+        </p:nvSpPr>
+        <p:spPr>
+          <a:xfrm>
+            <a:off x="9743612" y="3889946"/>
+            <a:ext cx="2151272" cy="1701382"/>
+          </a:xfrm>
+          <a:prstGeom prst="rect">
+            <a:avLst/>
+          </a:prstGeom>
+          <a:solidFill>
+            <a:srgbClr val="C00000"/>
+          </a:solidFill>
+          <a:ln>
+            <a:noFill/>
+          </a:ln>
+        </p:spPr>
+        <p:style>
+          <a:lnRef idx="2">
+            <a:schemeClr val="accent1">
+              <a:shade val="50000"/>
+            </a:schemeClr>
+          </a:lnRef>
+          <a:fillRef idx="1">
+            <a:schemeClr val="accent1"/>
+          </a:fillRef>
+          <a:effectRef idx="0">
+            <a:schemeClr val="accent1"/>
+          </a:effectRef>
+          <a:fontRef idx="minor">
+            <a:schemeClr val="lt1"/>
+          </a:fontRef>
+        </p:style>
+        <p:txBody>
+          <a:bodyPr rtlCol="0" anchor="ctr"/>
+          <a:lstStyle/>
+          <a:p>
+            <a:pPr algn="ctr"/>
+            <a:r>
+              <a:rPr lang="en-GB" dirty="0">
+                <a:latin typeface="Bahnschrift" panose="020B0502040204020203" pitchFamily="34" charset="0"/>
+              </a:rPr>
+              <a:t>CHECK FOR OBC COMMUNICATIONS</a:t>
+            </a:r>
+          </a:p>
+          <a:p>
+            <a:pPr algn="ctr"/>
+            <a:r>
+              <a:rPr lang="en-GB" dirty="0">
+                <a:latin typeface="Bahnschrift" panose="020B0502040204020203" pitchFamily="34" charset="0"/>
+              </a:rPr>
+              <a:t>(Check UART-busy)</a:t>
+            </a:r>
+            <a:endParaRPr lang="en-CA" dirty="0">
+              <a:latin typeface="Bahnschrift" panose="020B0502040204020203" pitchFamily="34" charset="0"/>
+            </a:endParaRPr>
+          </a:p>
+        </p:txBody>
+      </p:sp>
+      <p:cxnSp>
+        <p:nvCxnSpPr>
+          <p:cNvPr id="70" name="Straight Arrow Connector 69">
+            <a:extLst>
+              <a:ext uri="{FF2B5EF4-FFF2-40B4-BE49-F238E27FC236}">
+                <a16:creationId xmlns:a16="http://schemas.microsoft.com/office/drawing/2014/main" id="{0424E4EA-E4A0-4B44-B2EF-12909BDC54A6}"/>
+              </a:ext>
+            </a:extLst>
+          </p:cNvPr>
+          <p:cNvCxnSpPr>
+            <a:cxnSpLocks/>
+            <a:stCxn id="55" idx="3"/>
+            <a:endCxn id="64" idx="1"/>
+          </p:cNvCxnSpPr>
+          <p:nvPr/>
+        </p:nvCxnSpPr>
+        <p:spPr>
+          <a:xfrm>
+            <a:off x="7465102" y="4740637"/>
+            <a:ext cx="229851" cy="1"/>
+          </a:xfrm>
+          <a:prstGeom prst="straightConnector1">
+            <a:avLst/>
+          </a:prstGeom>
+          <a:ln w="38100">
+            <a:solidFill>
+              <a:schemeClr val="tx1"/>
+            </a:solidFill>
+            <a:tailEnd type="triangle"/>
+          </a:ln>
+        </p:spPr>
+        <p:style>
+          <a:lnRef idx="1">
+            <a:schemeClr val="accent1"/>
+          </a:lnRef>
+          <a:fillRef idx="0">
+            <a:schemeClr val="accent1"/>
+          </a:fillRef>
+          <a:effectRef idx="0">
+            <a:schemeClr val="accent1"/>
+          </a:effectRef>
+          <a:fontRef idx="minor">
+            <a:schemeClr val="tx1"/>
+          </a:fontRef>
+        </p:style>
+      </p:cxnSp>
+      <p:cxnSp>
+        <p:nvCxnSpPr>
+          <p:cNvPr id="76" name="Straight Arrow Connector 75">
+            <a:extLst>
+              <a:ext uri="{FF2B5EF4-FFF2-40B4-BE49-F238E27FC236}">
+                <a16:creationId xmlns:a16="http://schemas.microsoft.com/office/drawing/2014/main" id="{5D77DA9C-9C99-4BEE-ACF9-86E88A5591CA}"/>
+              </a:ext>
+            </a:extLst>
+          </p:cNvPr>
+          <p:cNvCxnSpPr>
+            <a:cxnSpLocks/>
+            <a:stCxn id="64" idx="3"/>
+            <a:endCxn id="67" idx="1"/>
+          </p:cNvCxnSpPr>
+          <p:nvPr/>
+        </p:nvCxnSpPr>
+        <p:spPr>
+          <a:xfrm flipV="1">
+            <a:off x="9486275" y="4740637"/>
+            <a:ext cx="257337" cy="1"/>
+          </a:xfrm>
+          <a:prstGeom prst="straightConnector1">
+            <a:avLst/>
+          </a:prstGeom>
+          <a:ln w="38100">
+            <a:solidFill>
+              <a:schemeClr val="tx1"/>
+            </a:solidFill>
+            <a:tailEnd type="triangle"/>
+          </a:ln>
+        </p:spPr>
+        <p:style>
+          <a:lnRef idx="1">
+            <a:schemeClr val="accent1"/>
+          </a:lnRef>
+          <a:fillRef idx="0">
+            <a:schemeClr val="accent1"/>
+          </a:fillRef>
+          <a:effectRef idx="0">
+            <a:schemeClr val="accent1"/>
+          </a:effectRef>
+          <a:fontRef idx="minor">
+            <a:schemeClr val="tx1"/>
+          </a:fontRef>
+        </p:style>
+      </p:cxnSp>
+      <p:sp>
+        <p:nvSpPr>
+          <p:cNvPr id="81" name="Rectangle 80">
+            <a:extLst>
+              <a:ext uri="{FF2B5EF4-FFF2-40B4-BE49-F238E27FC236}">
+                <a16:creationId xmlns:a16="http://schemas.microsoft.com/office/drawing/2014/main" id="{D1A42676-6C84-4F47-9AA5-01A1F87E9ADE}"/>
+              </a:ext>
+            </a:extLst>
+          </p:cNvPr>
+          <p:cNvSpPr/>
+          <p:nvPr/>
+        </p:nvSpPr>
+        <p:spPr>
+          <a:xfrm>
+            <a:off x="9743610" y="5946961"/>
+            <a:ext cx="2151273" cy="622088"/>
+          </a:xfrm>
+          <a:prstGeom prst="rect">
+            <a:avLst/>
+          </a:prstGeom>
+          <a:solidFill>
+            <a:schemeClr val="accent2">
+              <a:lumMod val="75000"/>
+            </a:schemeClr>
+          </a:solidFill>
+          <a:ln>
+            <a:noFill/>
+          </a:ln>
+        </p:spPr>
+        <p:style>
+          <a:lnRef idx="2">
+            <a:schemeClr val="accent1">
+              <a:shade val="50000"/>
+            </a:schemeClr>
+          </a:lnRef>
+          <a:fillRef idx="1">
+            <a:schemeClr val="accent1"/>
+          </a:fillRef>
+          <a:effectRef idx="0">
+            <a:schemeClr val="accent1"/>
+          </a:effectRef>
+          <a:fontRef idx="minor">
+            <a:schemeClr val="lt1"/>
+          </a:fontRef>
+        </p:style>
+        <p:txBody>
+          <a:bodyPr rtlCol="0" anchor="ctr"/>
+          <a:lstStyle/>
+          <a:p>
+            <a:pPr algn="ctr"/>
+            <a:r>
+              <a:rPr lang="en-GB" dirty="0">
+                <a:latin typeface="Bahnschrift" panose="020B0502040204020203" pitchFamily="34" charset="0"/>
+              </a:rPr>
+              <a:t>Suspend time </a:t>
+            </a:r>
+            <a:endParaRPr lang="en-CA" dirty="0">
+              <a:latin typeface="Bahnschrift" panose="020B0502040204020203" pitchFamily="34" charset="0"/>
+            </a:endParaRPr>
+          </a:p>
+        </p:txBody>
+      </p:sp>
+      <p:cxnSp>
+        <p:nvCxnSpPr>
+          <p:cNvPr id="82" name="Straight Arrow Connector 81">
+            <a:extLst>
+              <a:ext uri="{FF2B5EF4-FFF2-40B4-BE49-F238E27FC236}">
+                <a16:creationId xmlns:a16="http://schemas.microsoft.com/office/drawing/2014/main" id="{5D725960-A663-4D7D-9802-6000653F0378}"/>
+              </a:ext>
+            </a:extLst>
+          </p:cNvPr>
+          <p:cNvCxnSpPr>
+            <a:cxnSpLocks/>
+            <a:stCxn id="67" idx="2"/>
+            <a:endCxn id="81" idx="0"/>
+          </p:cNvCxnSpPr>
+          <p:nvPr/>
+        </p:nvCxnSpPr>
+        <p:spPr>
+          <a:xfrm flipH="1">
+            <a:off x="10819247" y="5591328"/>
+            <a:ext cx="1" cy="355633"/>
+          </a:xfrm>
+          <a:prstGeom prst="straightConnector1">
+            <a:avLst/>
+          </a:prstGeom>
+          <a:ln w="38100">
+            <a:solidFill>
+              <a:schemeClr val="tx1"/>
+            </a:solidFill>
+            <a:tailEnd type="triangle"/>
+          </a:ln>
+        </p:spPr>
+        <p:style>
+          <a:lnRef idx="1">
+            <a:schemeClr val="accent1"/>
+          </a:lnRef>
+          <a:fillRef idx="0">
+            <a:schemeClr val="accent1"/>
+          </a:fillRef>
+          <a:effectRef idx="0">
+            <a:schemeClr val="accent1"/>
+          </a:effectRef>
+          <a:fontRef idx="minor">
+            <a:schemeClr val="tx1"/>
+          </a:fontRef>
+        </p:style>
+      </p:cxnSp>
+      <p:cxnSp>
+        <p:nvCxnSpPr>
+          <p:cNvPr id="87" name="Connector: Elbow 86">
+            <a:extLst>
+              <a:ext uri="{FF2B5EF4-FFF2-40B4-BE49-F238E27FC236}">
+                <a16:creationId xmlns:a16="http://schemas.microsoft.com/office/drawing/2014/main" id="{A9B7744B-5CA3-4E53-9E14-5CB375151CE5}"/>
+              </a:ext>
+            </a:extLst>
+          </p:cNvPr>
+          <p:cNvCxnSpPr>
+            <a:cxnSpLocks/>
+            <a:stCxn id="25" idx="2"/>
+            <a:endCxn id="64" idx="0"/>
+          </p:cNvCxnSpPr>
+          <p:nvPr/>
+        </p:nvCxnSpPr>
+        <p:spPr>
+          <a:xfrm rot="16200000" flipH="1">
+            <a:off x="5977487" y="1276818"/>
+            <a:ext cx="282939" cy="4943315"/>
+          </a:xfrm>
+          <a:prstGeom prst="bentConnector3">
+            <a:avLst>
+              <a:gd name="adj1" fmla="val 30990"/>
+            </a:avLst>
+          </a:prstGeom>
+          <a:ln w="38100">
+            <a:solidFill>
+              <a:schemeClr val="tx1"/>
+            </a:solidFill>
+            <a:tailEnd type="triangle"/>
+          </a:ln>
+        </p:spPr>
+        <p:style>
+          <a:lnRef idx="1">
+            <a:schemeClr val="accent1"/>
+          </a:lnRef>
+          <a:fillRef idx="0">
+            <a:schemeClr val="accent1"/>
+          </a:fillRef>
+          <a:effectRef idx="0">
+            <a:schemeClr val="accent1"/>
+          </a:effectRef>
+          <a:fontRef idx="minor">
+            <a:schemeClr val="tx1"/>
+          </a:fontRef>
+        </p:style>
+      </p:cxnSp>
     </p:spTree>
     <p:extLst>
       <p:ext uri="{BB962C8B-B14F-4D97-AF65-F5344CB8AC3E}">
